--- a/docker.pptx
+++ b/docker.pptx
@@ -14529,7 +14529,7 @@
   <pc:docChgLst>
     <pc:chgData name="Stefano Castagnoli" userId="b5b1c50746fa2fa2" providerId="LiveId" clId="{59BBCDDF-BA55-42F3-A5A1-C0FEF5E920C2}"/>
     <pc:docChg chg="undo custSel addSld delSld modSld">
-      <pc:chgData name="Stefano Castagnoli" userId="b5b1c50746fa2fa2" providerId="LiveId" clId="{59BBCDDF-BA55-42F3-A5A1-C0FEF5E920C2}" dt="2022-11-14T15:29:57.869" v="89" actId="47"/>
+      <pc:chgData name="Stefano Castagnoli" userId="b5b1c50746fa2fa2" providerId="LiveId" clId="{59BBCDDF-BA55-42F3-A5A1-C0FEF5E920C2}" dt="2022-11-16T16:55:42.538" v="159" actId="20577"/>
       <pc:docMkLst>
         <pc:docMk/>
       </pc:docMkLst>
@@ -14548,6 +14548,91 @@
           </ac:spMkLst>
         </pc:spChg>
       </pc:sldChg>
+      <pc:sldChg chg="modSp mod">
+        <pc:chgData name="Stefano Castagnoli" userId="b5b1c50746fa2fa2" providerId="LiveId" clId="{59BBCDDF-BA55-42F3-A5A1-C0FEF5E920C2}" dt="2022-11-16T16:00:19.645" v="152" actId="20577"/>
+        <pc:sldMkLst>
+          <pc:docMk/>
+          <pc:sldMk cId="2994678585" sldId="305"/>
+        </pc:sldMkLst>
+        <pc:spChg chg="mod">
+          <ac:chgData name="Stefano Castagnoli" userId="b5b1c50746fa2fa2" providerId="LiveId" clId="{59BBCDDF-BA55-42F3-A5A1-C0FEF5E920C2}" dt="2022-11-16T16:00:19.645" v="152" actId="20577"/>
+          <ac:spMkLst>
+            <pc:docMk/>
+            <pc:sldMk cId="2994678585" sldId="305"/>
+            <ac:spMk id="8" creationId="{FBA08ED7-D839-C2FB-7578-72CCAD406CBD}"/>
+          </ac:spMkLst>
+        </pc:spChg>
+      </pc:sldChg>
+      <pc:sldChg chg="modSp mod">
+        <pc:chgData name="Stefano Castagnoli" userId="b5b1c50746fa2fa2" providerId="LiveId" clId="{59BBCDDF-BA55-42F3-A5A1-C0FEF5E920C2}" dt="2022-11-16T16:45:11.395" v="155" actId="20577"/>
+        <pc:sldMkLst>
+          <pc:docMk/>
+          <pc:sldMk cId="2376668540" sldId="306"/>
+        </pc:sldMkLst>
+        <pc:spChg chg="mod">
+          <ac:chgData name="Stefano Castagnoli" userId="b5b1c50746fa2fa2" providerId="LiveId" clId="{59BBCDDF-BA55-42F3-A5A1-C0FEF5E920C2}" dt="2022-11-16T16:45:11.395" v="155" actId="20577"/>
+          <ac:spMkLst>
+            <pc:docMk/>
+            <pc:sldMk cId="2376668540" sldId="306"/>
+            <ac:spMk id="5" creationId="{7EC735E1-9EAA-3C69-E378-DF0D1A5271FF}"/>
+          </ac:spMkLst>
+        </pc:spChg>
+      </pc:sldChg>
+      <pc:sldChg chg="modSp mod">
+        <pc:chgData name="Stefano Castagnoli" userId="b5b1c50746fa2fa2" providerId="LiveId" clId="{59BBCDDF-BA55-42F3-A5A1-C0FEF5E920C2}" dt="2022-11-16T16:55:42.538" v="159" actId="20577"/>
+        <pc:sldMkLst>
+          <pc:docMk/>
+          <pc:sldMk cId="786942013" sldId="307"/>
+        </pc:sldMkLst>
+        <pc:spChg chg="mod">
+          <ac:chgData name="Stefano Castagnoli" userId="b5b1c50746fa2fa2" providerId="LiveId" clId="{59BBCDDF-BA55-42F3-A5A1-C0FEF5E920C2}" dt="2022-11-16T16:55:40.122" v="157" actId="20577"/>
+          <ac:spMkLst>
+            <pc:docMk/>
+            <pc:sldMk cId="786942013" sldId="307"/>
+            <ac:spMk id="6" creationId="{67045031-DA03-56D6-F170-7A5566D935CC}"/>
+          </ac:spMkLst>
+        </pc:spChg>
+        <pc:spChg chg="mod">
+          <ac:chgData name="Stefano Castagnoli" userId="b5b1c50746fa2fa2" providerId="LiveId" clId="{59BBCDDF-BA55-42F3-A5A1-C0FEF5E920C2}" dt="2022-11-16T16:55:42.538" v="159" actId="20577"/>
+          <ac:spMkLst>
+            <pc:docMk/>
+            <pc:sldMk cId="786942013" sldId="307"/>
+            <ac:spMk id="7" creationId="{C029BC2A-0527-AD06-6E22-D46B9448E3E9}"/>
+          </ac:spMkLst>
+        </pc:spChg>
+        <pc:spChg chg="mod">
+          <ac:chgData name="Stefano Castagnoli" userId="b5b1c50746fa2fa2" providerId="LiveId" clId="{59BBCDDF-BA55-42F3-A5A1-C0FEF5E920C2}" dt="2022-11-16T16:29:26.321" v="154" actId="1076"/>
+          <ac:spMkLst>
+            <pc:docMk/>
+            <pc:sldMk cId="786942013" sldId="307"/>
+            <ac:spMk id="10" creationId="{0AFA8500-842F-5753-D44E-86577683C5A1}"/>
+          </ac:spMkLst>
+        </pc:spChg>
+        <pc:cxnChg chg="mod">
+          <ac:chgData name="Stefano Castagnoli" userId="b5b1c50746fa2fa2" providerId="LiveId" clId="{59BBCDDF-BA55-42F3-A5A1-C0FEF5E920C2}" dt="2022-11-16T16:29:26.321" v="154" actId="1076"/>
+          <ac:cxnSpMkLst>
+            <pc:docMk/>
+            <pc:sldMk cId="786942013" sldId="307"/>
+            <ac:cxnSpMk id="14" creationId="{E94FC869-B481-4628-48E7-A6631A1EFA25}"/>
+          </ac:cxnSpMkLst>
+        </pc:cxnChg>
+        <pc:cxnChg chg="mod">
+          <ac:chgData name="Stefano Castagnoli" userId="b5b1c50746fa2fa2" providerId="LiveId" clId="{59BBCDDF-BA55-42F3-A5A1-C0FEF5E920C2}" dt="2022-11-16T16:29:26.321" v="154" actId="1076"/>
+          <ac:cxnSpMkLst>
+            <pc:docMk/>
+            <pc:sldMk cId="786942013" sldId="307"/>
+            <ac:cxnSpMk id="15" creationId="{C1B6E38D-B21A-E9D9-F67B-8A412102C247}"/>
+          </ac:cxnSpMkLst>
+        </pc:cxnChg>
+        <pc:cxnChg chg="mod">
+          <ac:chgData name="Stefano Castagnoli" userId="b5b1c50746fa2fa2" providerId="LiveId" clId="{59BBCDDF-BA55-42F3-A5A1-C0FEF5E920C2}" dt="2022-11-16T16:29:26.321" v="154" actId="1076"/>
+          <ac:cxnSpMkLst>
+            <pc:docMk/>
+            <pc:sldMk cId="786942013" sldId="307"/>
+            <ac:cxnSpMk id="25" creationId="{9083919F-1A61-3E1B-4EF1-4DE3C869C048}"/>
+          </ac:cxnSpMkLst>
+        </pc:cxnChg>
+      </pc:sldChg>
       <pc:sldChg chg="modSp new del mod">
         <pc:chgData name="Stefano Castagnoli" userId="b5b1c50746fa2fa2" providerId="LiveId" clId="{59BBCDDF-BA55-42F3-A5A1-C0FEF5E920C2}" dt="2022-11-14T15:29:57.869" v="89" actId="47"/>
         <pc:sldMkLst>
@@ -14560,6 +14645,29 @@
             <pc:docMk/>
             <pc:sldMk cId="1500723483" sldId="328"/>
             <ac:spMk id="3" creationId="{48277782-FD39-B9A3-3441-F5DA521721DC}"/>
+          </ac:spMkLst>
+        </pc:spChg>
+      </pc:sldChg>
+      <pc:sldChg chg="modSp new del mod">
+        <pc:chgData name="Stefano Castagnoli" userId="b5b1c50746fa2fa2" providerId="LiveId" clId="{59BBCDDF-BA55-42F3-A5A1-C0FEF5E920C2}" dt="2022-11-16T15:42:43.301" v="151" actId="47"/>
+        <pc:sldMkLst>
+          <pc:docMk/>
+          <pc:sldMk cId="2855145852" sldId="328"/>
+        </pc:sldMkLst>
+        <pc:spChg chg="mod">
+          <ac:chgData name="Stefano Castagnoli" userId="b5b1c50746fa2fa2" providerId="LiveId" clId="{59BBCDDF-BA55-42F3-A5A1-C0FEF5E920C2}" dt="2022-11-16T15:23:42.688" v="95" actId="20577"/>
+          <ac:spMkLst>
+            <pc:docMk/>
+            <pc:sldMk cId="2855145852" sldId="328"/>
+            <ac:spMk id="2" creationId="{4100797F-C4F7-9132-28A6-4FA1D87D7C4A}"/>
+          </ac:spMkLst>
+        </pc:spChg>
+        <pc:spChg chg="mod">
+          <ac:chgData name="Stefano Castagnoli" userId="b5b1c50746fa2fa2" providerId="LiveId" clId="{59BBCDDF-BA55-42F3-A5A1-C0FEF5E920C2}" dt="2022-11-16T15:24:30.026" v="150" actId="20577"/>
+          <ac:spMkLst>
+            <pc:docMk/>
+            <pc:sldMk cId="2855145852" sldId="328"/>
+            <ac:spMk id="3" creationId="{AE4EAF57-8363-7157-18E5-387E332B16CF}"/>
           </ac:spMkLst>
         </pc:spChg>
       </pc:sldChg>
@@ -14650,7 +14758,7 @@
           <a:p>
             <a:fld id="{B8BED329-93F4-4255-9D2D-62178B22FD96}" type="datetimeFigureOut">
               <a:rPr lang="it-IT" smtClean="0"/>
-              <a:t>14/11/2022</a:t>
+              <a:t>16/11/2022</a:t>
             </a:fld>
             <a:endParaRPr lang="it-IT"/>
           </a:p>
@@ -15064,7 +15172,7 @@
           <a:p>
             <a:fld id="{13C105EA-D015-4978-B564-2EE7F0DF28B1}" type="datetimeFigureOut">
               <a:rPr lang="it-IT" smtClean="0"/>
-              <a:t>14/11/2022</a:t>
+              <a:t>16/11/2022</a:t>
             </a:fld>
             <a:endParaRPr lang="it-IT"/>
           </a:p>
@@ -15262,7 +15370,7 @@
           <a:p>
             <a:fld id="{13C105EA-D015-4978-B564-2EE7F0DF28B1}" type="datetimeFigureOut">
               <a:rPr lang="it-IT" smtClean="0"/>
-              <a:t>14/11/2022</a:t>
+              <a:t>16/11/2022</a:t>
             </a:fld>
             <a:endParaRPr lang="it-IT"/>
           </a:p>
@@ -15470,7 +15578,7 @@
           <a:p>
             <a:fld id="{13C105EA-D015-4978-B564-2EE7F0DF28B1}" type="datetimeFigureOut">
               <a:rPr lang="it-IT" smtClean="0"/>
-              <a:t>14/11/2022</a:t>
+              <a:t>16/11/2022</a:t>
             </a:fld>
             <a:endParaRPr lang="it-IT"/>
           </a:p>
@@ -15668,7 +15776,7 @@
           <a:p>
             <a:fld id="{13C105EA-D015-4978-B564-2EE7F0DF28B1}" type="datetimeFigureOut">
               <a:rPr lang="it-IT" smtClean="0"/>
-              <a:t>14/11/2022</a:t>
+              <a:t>16/11/2022</a:t>
             </a:fld>
             <a:endParaRPr lang="it-IT"/>
           </a:p>
@@ -15943,7 +16051,7 @@
           <a:p>
             <a:fld id="{13C105EA-D015-4978-B564-2EE7F0DF28B1}" type="datetimeFigureOut">
               <a:rPr lang="it-IT" smtClean="0"/>
-              <a:t>14/11/2022</a:t>
+              <a:t>16/11/2022</a:t>
             </a:fld>
             <a:endParaRPr lang="it-IT"/>
           </a:p>
@@ -16208,7 +16316,7 @@
           <a:p>
             <a:fld id="{13C105EA-D015-4978-B564-2EE7F0DF28B1}" type="datetimeFigureOut">
               <a:rPr lang="it-IT" smtClean="0"/>
-              <a:t>14/11/2022</a:t>
+              <a:t>16/11/2022</a:t>
             </a:fld>
             <a:endParaRPr lang="it-IT"/>
           </a:p>
@@ -16620,7 +16728,7 @@
           <a:p>
             <a:fld id="{13C105EA-D015-4978-B564-2EE7F0DF28B1}" type="datetimeFigureOut">
               <a:rPr lang="it-IT" smtClean="0"/>
-              <a:t>14/11/2022</a:t>
+              <a:t>16/11/2022</a:t>
             </a:fld>
             <a:endParaRPr lang="it-IT"/>
           </a:p>
@@ -16761,7 +16869,7 @@
           <a:p>
             <a:fld id="{13C105EA-D015-4978-B564-2EE7F0DF28B1}" type="datetimeFigureOut">
               <a:rPr lang="it-IT" smtClean="0"/>
-              <a:t>14/11/2022</a:t>
+              <a:t>16/11/2022</a:t>
             </a:fld>
             <a:endParaRPr lang="it-IT"/>
           </a:p>
@@ -16874,7 +16982,7 @@
           <a:p>
             <a:fld id="{13C105EA-D015-4978-B564-2EE7F0DF28B1}" type="datetimeFigureOut">
               <a:rPr lang="it-IT" smtClean="0"/>
-              <a:t>14/11/2022</a:t>
+              <a:t>16/11/2022</a:t>
             </a:fld>
             <a:endParaRPr lang="it-IT"/>
           </a:p>
@@ -17185,7 +17293,7 @@
           <a:p>
             <a:fld id="{13C105EA-D015-4978-B564-2EE7F0DF28B1}" type="datetimeFigureOut">
               <a:rPr lang="it-IT" smtClean="0"/>
-              <a:t>14/11/2022</a:t>
+              <a:t>16/11/2022</a:t>
             </a:fld>
             <a:endParaRPr lang="it-IT"/>
           </a:p>
@@ -17473,7 +17581,7 @@
           <a:p>
             <a:fld id="{13C105EA-D015-4978-B564-2EE7F0DF28B1}" type="datetimeFigureOut">
               <a:rPr lang="it-IT" smtClean="0"/>
-              <a:t>14/11/2022</a:t>
+              <a:t>16/11/2022</a:t>
             </a:fld>
             <a:endParaRPr lang="it-IT"/>
           </a:p>
@@ -17714,7 +17822,7 @@
           <a:p>
             <a:fld id="{13C105EA-D015-4978-B564-2EE7F0DF28B1}" type="datetimeFigureOut">
               <a:rPr lang="it-IT" smtClean="0"/>
-              <a:t>14/11/2022</a:t>
+              <a:t>16/11/2022</a:t>
             </a:fld>
             <a:endParaRPr lang="it-IT"/>
           </a:p>
@@ -20809,7 +20917,21 @@
                 <a:latin typeface="Calibri (corpo)"/>
                 <a:cs typeface="Courier New" panose="02070309020205020404" pitchFamily="49" charset="0"/>
               </a:rPr>
-              <a:t> I </a:t>
+              <a:t> </a:t>
+            </a:r>
+            <a:r>
+              <a:rPr lang="en-US" dirty="0" err="1">
+                <a:latin typeface="Calibri (corpo)"/>
+                <a:cs typeface="Courier New" panose="02070309020205020404" pitchFamily="49" charset="0"/>
+              </a:rPr>
+              <a:t>i</a:t>
+            </a:r>
+            <a:r>
+              <a:rPr lang="en-US" dirty="0">
+                <a:latin typeface="Calibri (corpo)"/>
+                <a:cs typeface="Courier New" panose="02070309020205020404" pitchFamily="49" charset="0"/>
+              </a:rPr>
+              <a:t> </a:t>
             </a:r>
             <a:r>
               <a:rPr lang="en-US" dirty="0" err="1">
@@ -21457,7 +21579,7 @@
                 <a:latin typeface="Courier New" panose="02070309020205020404" pitchFamily="49" charset="0"/>
                 <a:cs typeface="Courier New" panose="02070309020205020404" pitchFamily="49" charset="0"/>
               </a:rPr>
-              <a:t>netowowk</a:t>
+              <a:t>netwowk</a:t>
             </a:r>
             <a:r>
               <a:rPr lang="it-IT" b="1" dirty="0">
@@ -22479,7 +22601,7 @@
             <a:pPr algn="ctr"/>
             <a:r>
               <a:rPr lang="it-IT" dirty="0"/>
-              <a:t>172.17.0.2/16</a:t>
+              <a:t>172.18.0.2/16</a:t>
             </a:r>
           </a:p>
         </p:txBody>
@@ -22535,7 +22657,7 @@
             <a:pPr algn="ctr"/>
             <a:r>
               <a:rPr lang="it-IT" dirty="0"/>
-              <a:t>172.17.0.3/16</a:t>
+              <a:t>172.18.0.3/16</a:t>
             </a:r>
           </a:p>
         </p:txBody>

--- a/docker.pptx
+++ b/docker.pptx
@@ -143,6 +143,14 @@
     </p:ext>
   </p:extLst>
 </p:presentation>
+</file>
+
+<file path=ppt/revisionInfo.xml><?xml version="1.0" encoding="utf-8"?>
+<p1510:revInfo xmlns:a="http://schemas.openxmlformats.org/drawingml/2006/main" xmlns:r="http://schemas.openxmlformats.org/officeDocument/2006/relationships" xmlns:p1510="http://schemas.microsoft.com/office/powerpoint/2015/10/main">
+  <p1510:revLst>
+    <p1510:client id="{59BBCDDF-BA55-42F3-A5A1-C0FEF5E920C2}" v="2" dt="2022-11-28T15:40:04.937"/>
+  </p1510:revLst>
+</p1510:revInfo>
 </file>
 
 <file path=ppt/changesInfos/changesInfo1.xml><?xml version="1.0" encoding="utf-8"?>
@@ -14529,10 +14537,64 @@
   <pc:docChgLst>
     <pc:chgData name="Stefano Castagnoli" userId="b5b1c50746fa2fa2" providerId="LiveId" clId="{59BBCDDF-BA55-42F3-A5A1-C0FEF5E920C2}"/>
     <pc:docChg chg="undo custSel addSld delSld modSld">
-      <pc:chgData name="Stefano Castagnoli" userId="b5b1c50746fa2fa2" providerId="LiveId" clId="{59BBCDDF-BA55-42F3-A5A1-C0FEF5E920C2}" dt="2022-11-16T16:55:42.538" v="159" actId="20577"/>
+      <pc:chgData name="Stefano Castagnoli" userId="b5b1c50746fa2fa2" providerId="LiveId" clId="{59BBCDDF-BA55-42F3-A5A1-C0FEF5E920C2}" dt="2022-11-28T16:54:04.049" v="358" actId="20577"/>
       <pc:docMkLst>
         <pc:docMk/>
       </pc:docMkLst>
+      <pc:sldChg chg="modSp mod">
+        <pc:chgData name="Stefano Castagnoli" userId="b5b1c50746fa2fa2" providerId="LiveId" clId="{59BBCDDF-BA55-42F3-A5A1-C0FEF5E920C2}" dt="2022-11-18T13:49:20.356" v="165" actId="1076"/>
+        <pc:sldMkLst>
+          <pc:docMk/>
+          <pc:sldMk cId="45251065" sldId="297"/>
+        </pc:sldMkLst>
+        <pc:spChg chg="mod">
+          <ac:chgData name="Stefano Castagnoli" userId="b5b1c50746fa2fa2" providerId="LiveId" clId="{59BBCDDF-BA55-42F3-A5A1-C0FEF5E920C2}" dt="2022-11-18T13:43:06.958" v="160" actId="1076"/>
+          <ac:spMkLst>
+            <pc:docMk/>
+            <pc:sldMk cId="45251065" sldId="297"/>
+            <ac:spMk id="15" creationId="{B38FA87D-AA61-A655-2E04-F4907FE3D45E}"/>
+          </ac:spMkLst>
+        </pc:spChg>
+        <pc:picChg chg="mod">
+          <ac:chgData name="Stefano Castagnoli" userId="b5b1c50746fa2fa2" providerId="LiveId" clId="{59BBCDDF-BA55-42F3-A5A1-C0FEF5E920C2}" dt="2022-11-18T13:49:20.356" v="165" actId="1076"/>
+          <ac:picMkLst>
+            <pc:docMk/>
+            <pc:sldMk cId="45251065" sldId="297"/>
+            <ac:picMk id="29" creationId="{301C0711-F8C1-33B2-C563-AD1342B7AF5E}"/>
+          </ac:picMkLst>
+        </pc:picChg>
+      </pc:sldChg>
+      <pc:sldChg chg="modSp mod">
+        <pc:chgData name="Stefano Castagnoli" userId="b5b1c50746fa2fa2" providerId="LiveId" clId="{59BBCDDF-BA55-42F3-A5A1-C0FEF5E920C2}" dt="2022-11-18T13:46:21.917" v="163" actId="20577"/>
+        <pc:sldMkLst>
+          <pc:docMk/>
+          <pc:sldMk cId="1210294051" sldId="300"/>
+        </pc:sldMkLst>
+        <pc:spChg chg="mod">
+          <ac:chgData name="Stefano Castagnoli" userId="b5b1c50746fa2fa2" providerId="LiveId" clId="{59BBCDDF-BA55-42F3-A5A1-C0FEF5E920C2}" dt="2022-11-18T13:46:21.917" v="163" actId="20577"/>
+          <ac:spMkLst>
+            <pc:docMk/>
+            <pc:sldMk cId="1210294051" sldId="300"/>
+            <ac:spMk id="3" creationId="{0553C3CC-AA69-1E43-4786-48B74C5D90BB}"/>
+          </ac:spMkLst>
+        </pc:spChg>
+        <pc:spChg chg="mod">
+          <ac:chgData name="Stefano Castagnoli" userId="b5b1c50746fa2fa2" providerId="LiveId" clId="{59BBCDDF-BA55-42F3-A5A1-C0FEF5E920C2}" dt="2022-11-18T13:46:18.612" v="162" actId="20577"/>
+          <ac:spMkLst>
+            <pc:docMk/>
+            <pc:sldMk cId="1210294051" sldId="300"/>
+            <ac:spMk id="5" creationId="{E5FA6804-22F6-8980-7D37-09254D6D6768}"/>
+          </ac:spMkLst>
+        </pc:spChg>
+        <pc:spChg chg="mod">
+          <ac:chgData name="Stefano Castagnoli" userId="b5b1c50746fa2fa2" providerId="LiveId" clId="{59BBCDDF-BA55-42F3-A5A1-C0FEF5E920C2}" dt="2022-11-18T13:46:03.759" v="161" actId="20577"/>
+          <ac:spMkLst>
+            <pc:docMk/>
+            <pc:sldMk cId="1210294051" sldId="300"/>
+            <ac:spMk id="8" creationId="{FBA08ED7-D839-C2FB-7578-72CCAD406CBD}"/>
+          </ac:spMkLst>
+        </pc:spChg>
+      </pc:sldChg>
       <pc:sldChg chg="modSp mod">
         <pc:chgData name="Stefano Castagnoli" userId="b5b1c50746fa2fa2" providerId="LiveId" clId="{59BBCDDF-BA55-42F3-A5A1-C0FEF5E920C2}" dt="2022-11-14T15:13:09.588" v="9" actId="20577"/>
         <pc:sldMkLst>
@@ -14633,6 +14695,74 @@
           </ac:cxnSpMkLst>
         </pc:cxnChg>
       </pc:sldChg>
+      <pc:sldChg chg="modSp mod">
+        <pc:chgData name="Stefano Castagnoli" userId="b5b1c50746fa2fa2" providerId="LiveId" clId="{59BBCDDF-BA55-42F3-A5A1-C0FEF5E920C2}" dt="2022-11-28T16:54:04.049" v="358" actId="20577"/>
+        <pc:sldMkLst>
+          <pc:docMk/>
+          <pc:sldMk cId="431182299" sldId="309"/>
+        </pc:sldMkLst>
+        <pc:spChg chg="mod">
+          <ac:chgData name="Stefano Castagnoli" userId="b5b1c50746fa2fa2" providerId="LiveId" clId="{59BBCDDF-BA55-42F3-A5A1-C0FEF5E920C2}" dt="2022-11-28T16:54:04.049" v="358" actId="20577"/>
+          <ac:spMkLst>
+            <pc:docMk/>
+            <pc:sldMk cId="431182299" sldId="309"/>
+            <ac:spMk id="8" creationId="{FBA08ED7-D839-C2FB-7578-72CCAD406CBD}"/>
+          </ac:spMkLst>
+        </pc:spChg>
+      </pc:sldChg>
+      <pc:sldChg chg="addSp modSp mod">
+        <pc:chgData name="Stefano Castagnoli" userId="b5b1c50746fa2fa2" providerId="LiveId" clId="{59BBCDDF-BA55-42F3-A5A1-C0FEF5E920C2}" dt="2022-11-18T14:19:33.279" v="288" actId="14100"/>
+        <pc:sldMkLst>
+          <pc:docMk/>
+          <pc:sldMk cId="2483481380" sldId="320"/>
+        </pc:sldMkLst>
+        <pc:spChg chg="add mod">
+          <ac:chgData name="Stefano Castagnoli" userId="b5b1c50746fa2fa2" providerId="LiveId" clId="{59BBCDDF-BA55-42F3-A5A1-C0FEF5E920C2}" dt="2022-11-18T14:19:33.279" v="288" actId="14100"/>
+          <ac:spMkLst>
+            <pc:docMk/>
+            <pc:sldMk cId="2483481380" sldId="320"/>
+            <ac:spMk id="3" creationId="{E6D96FF6-4689-2853-F34C-B32021A541CE}"/>
+          </ac:spMkLst>
+        </pc:spChg>
+      </pc:sldChg>
+      <pc:sldChg chg="modSp mod">
+        <pc:chgData name="Stefano Castagnoli" userId="b5b1c50746fa2fa2" providerId="LiveId" clId="{59BBCDDF-BA55-42F3-A5A1-C0FEF5E920C2}" dt="2022-11-18T16:01:52.228" v="341" actId="1076"/>
+        <pc:sldMkLst>
+          <pc:docMk/>
+          <pc:sldMk cId="2691051251" sldId="321"/>
+        </pc:sldMkLst>
+        <pc:spChg chg="mod">
+          <ac:chgData name="Stefano Castagnoli" userId="b5b1c50746fa2fa2" providerId="LiveId" clId="{59BBCDDF-BA55-42F3-A5A1-C0FEF5E920C2}" dt="2022-11-18T16:01:52.228" v="341" actId="1076"/>
+          <ac:spMkLst>
+            <pc:docMk/>
+            <pc:sldMk cId="2691051251" sldId="321"/>
+            <ac:spMk id="13" creationId="{10D697F0-C470-29DB-CDBC-0B03502FB78A}"/>
+          </ac:spMkLst>
+        </pc:spChg>
+        <pc:spChg chg="mod">
+          <ac:chgData name="Stefano Castagnoli" userId="b5b1c50746fa2fa2" providerId="LiveId" clId="{59BBCDDF-BA55-42F3-A5A1-C0FEF5E920C2}" dt="2022-11-18T16:01:45.944" v="340" actId="1076"/>
+          <ac:spMkLst>
+            <pc:docMk/>
+            <pc:sldMk cId="2691051251" sldId="321"/>
+            <ac:spMk id="25" creationId="{01A29A37-1E6B-7BB0-D315-EDE7CB4DF7A8}"/>
+          </ac:spMkLst>
+        </pc:spChg>
+      </pc:sldChg>
+      <pc:sldChg chg="modSp mod">
+        <pc:chgData name="Stefano Castagnoli" userId="b5b1c50746fa2fa2" providerId="LiveId" clId="{59BBCDDF-BA55-42F3-A5A1-C0FEF5E920C2}" dt="2022-11-18T16:32:16.146" v="342" actId="2711"/>
+        <pc:sldMkLst>
+          <pc:docMk/>
+          <pc:sldMk cId="2094146939" sldId="324"/>
+        </pc:sldMkLst>
+        <pc:spChg chg="mod">
+          <ac:chgData name="Stefano Castagnoli" userId="b5b1c50746fa2fa2" providerId="LiveId" clId="{59BBCDDF-BA55-42F3-A5A1-C0FEF5E920C2}" dt="2022-11-18T16:32:16.146" v="342" actId="2711"/>
+          <ac:spMkLst>
+            <pc:docMk/>
+            <pc:sldMk cId="2094146939" sldId="324"/>
+            <ac:spMk id="7" creationId="{04C03FA5-FA20-0F33-A4BA-25646ADDF65E}"/>
+          </ac:spMkLst>
+        </pc:spChg>
+      </pc:sldChg>
       <pc:sldChg chg="modSp new del mod">
         <pc:chgData name="Stefano Castagnoli" userId="b5b1c50746fa2fa2" providerId="LiveId" clId="{59BBCDDF-BA55-42F3-A5A1-C0FEF5E920C2}" dt="2022-11-14T15:29:57.869" v="89" actId="47"/>
         <pc:sldMkLst>
@@ -14645,6 +14775,29 @@
             <pc:docMk/>
             <pc:sldMk cId="1500723483" sldId="328"/>
             <ac:spMk id="3" creationId="{48277782-FD39-B9A3-3441-F5DA521721DC}"/>
+          </ac:spMkLst>
+        </pc:spChg>
+      </pc:sldChg>
+      <pc:sldChg chg="modSp new del mod">
+        <pc:chgData name="Stefano Castagnoli" userId="b5b1c50746fa2fa2" providerId="LiveId" clId="{59BBCDDF-BA55-42F3-A5A1-C0FEF5E920C2}" dt="2022-11-18T15:52:07.865" v="338" actId="47"/>
+        <pc:sldMkLst>
+          <pc:docMk/>
+          <pc:sldMk cId="1768282681" sldId="328"/>
+        </pc:sldMkLst>
+        <pc:spChg chg="mod">
+          <ac:chgData name="Stefano Castagnoli" userId="b5b1c50746fa2fa2" providerId="LiveId" clId="{59BBCDDF-BA55-42F3-A5A1-C0FEF5E920C2}" dt="2022-11-18T15:34:58.274" v="299" actId="20577"/>
+          <ac:spMkLst>
+            <pc:docMk/>
+            <pc:sldMk cId="1768282681" sldId="328"/>
+            <ac:spMk id="2" creationId="{25343D72-FBA8-28EC-39A0-265FF28C6719}"/>
+          </ac:spMkLst>
+        </pc:spChg>
+        <pc:spChg chg="mod">
+          <ac:chgData name="Stefano Castagnoli" userId="b5b1c50746fa2fa2" providerId="LiveId" clId="{59BBCDDF-BA55-42F3-A5A1-C0FEF5E920C2}" dt="2022-11-18T15:35:22.218" v="337" actId="5793"/>
+          <ac:spMkLst>
+            <pc:docMk/>
+            <pc:sldMk cId="1768282681" sldId="328"/>
+            <ac:spMk id="3" creationId="{C253CCD3-AE6C-3E9B-2C80-722AED1695D8}"/>
           </ac:spMkLst>
         </pc:spChg>
       </pc:sldChg>
@@ -14758,7 +14911,7 @@
           <a:p>
             <a:fld id="{B8BED329-93F4-4255-9D2D-62178B22FD96}" type="datetimeFigureOut">
               <a:rPr lang="it-IT" smtClean="0"/>
-              <a:t>16/11/2022</a:t>
+              <a:t>28/11/2022</a:t>
             </a:fld>
             <a:endParaRPr lang="it-IT"/>
           </a:p>
@@ -15172,7 +15325,7 @@
           <a:p>
             <a:fld id="{13C105EA-D015-4978-B564-2EE7F0DF28B1}" type="datetimeFigureOut">
               <a:rPr lang="it-IT" smtClean="0"/>
-              <a:t>16/11/2022</a:t>
+              <a:t>28/11/2022</a:t>
             </a:fld>
             <a:endParaRPr lang="it-IT"/>
           </a:p>
@@ -15370,7 +15523,7 @@
           <a:p>
             <a:fld id="{13C105EA-D015-4978-B564-2EE7F0DF28B1}" type="datetimeFigureOut">
               <a:rPr lang="it-IT" smtClean="0"/>
-              <a:t>16/11/2022</a:t>
+              <a:t>28/11/2022</a:t>
             </a:fld>
             <a:endParaRPr lang="it-IT"/>
           </a:p>
@@ -15578,7 +15731,7 @@
           <a:p>
             <a:fld id="{13C105EA-D015-4978-B564-2EE7F0DF28B1}" type="datetimeFigureOut">
               <a:rPr lang="it-IT" smtClean="0"/>
-              <a:t>16/11/2022</a:t>
+              <a:t>28/11/2022</a:t>
             </a:fld>
             <a:endParaRPr lang="it-IT"/>
           </a:p>
@@ -15776,7 +15929,7 @@
           <a:p>
             <a:fld id="{13C105EA-D015-4978-B564-2EE7F0DF28B1}" type="datetimeFigureOut">
               <a:rPr lang="it-IT" smtClean="0"/>
-              <a:t>16/11/2022</a:t>
+              <a:t>28/11/2022</a:t>
             </a:fld>
             <a:endParaRPr lang="it-IT"/>
           </a:p>
@@ -16051,7 +16204,7 @@
           <a:p>
             <a:fld id="{13C105EA-D015-4978-B564-2EE7F0DF28B1}" type="datetimeFigureOut">
               <a:rPr lang="it-IT" smtClean="0"/>
-              <a:t>16/11/2022</a:t>
+              <a:t>28/11/2022</a:t>
             </a:fld>
             <a:endParaRPr lang="it-IT"/>
           </a:p>
@@ -16316,7 +16469,7 @@
           <a:p>
             <a:fld id="{13C105EA-D015-4978-B564-2EE7F0DF28B1}" type="datetimeFigureOut">
               <a:rPr lang="it-IT" smtClean="0"/>
-              <a:t>16/11/2022</a:t>
+              <a:t>28/11/2022</a:t>
             </a:fld>
             <a:endParaRPr lang="it-IT"/>
           </a:p>
@@ -16728,7 +16881,7 @@
           <a:p>
             <a:fld id="{13C105EA-D015-4978-B564-2EE7F0DF28B1}" type="datetimeFigureOut">
               <a:rPr lang="it-IT" smtClean="0"/>
-              <a:t>16/11/2022</a:t>
+              <a:t>28/11/2022</a:t>
             </a:fld>
             <a:endParaRPr lang="it-IT"/>
           </a:p>
@@ -16869,7 +17022,7 @@
           <a:p>
             <a:fld id="{13C105EA-D015-4978-B564-2EE7F0DF28B1}" type="datetimeFigureOut">
               <a:rPr lang="it-IT" smtClean="0"/>
-              <a:t>16/11/2022</a:t>
+              <a:t>28/11/2022</a:t>
             </a:fld>
             <a:endParaRPr lang="it-IT"/>
           </a:p>
@@ -16982,7 +17135,7 @@
           <a:p>
             <a:fld id="{13C105EA-D015-4978-B564-2EE7F0DF28B1}" type="datetimeFigureOut">
               <a:rPr lang="it-IT" smtClean="0"/>
-              <a:t>16/11/2022</a:t>
+              <a:t>28/11/2022</a:t>
             </a:fld>
             <a:endParaRPr lang="it-IT"/>
           </a:p>
@@ -17293,7 +17446,7 @@
           <a:p>
             <a:fld id="{13C105EA-D015-4978-B564-2EE7F0DF28B1}" type="datetimeFigureOut">
               <a:rPr lang="it-IT" smtClean="0"/>
-              <a:t>16/11/2022</a:t>
+              <a:t>28/11/2022</a:t>
             </a:fld>
             <a:endParaRPr lang="it-IT"/>
           </a:p>
@@ -17581,7 +17734,7 @@
           <a:p>
             <a:fld id="{13C105EA-D015-4978-B564-2EE7F0DF28B1}" type="datetimeFigureOut">
               <a:rPr lang="it-IT" smtClean="0"/>
-              <a:t>16/11/2022</a:t>
+              <a:t>28/11/2022</a:t>
             </a:fld>
             <a:endParaRPr lang="it-IT"/>
           </a:p>
@@ -17822,7 +17975,7 @@
           <a:p>
             <a:fld id="{13C105EA-D015-4978-B564-2EE7F0DF28B1}" type="datetimeFigureOut">
               <a:rPr lang="it-IT" smtClean="0"/>
-              <a:t>16/11/2022</a:t>
+              <a:t>28/11/2022</a:t>
             </a:fld>
             <a:endParaRPr lang="it-IT"/>
           </a:p>
@@ -23519,7 +23672,7 @@
         </p:nvSpPr>
         <p:spPr>
           <a:xfrm>
-            <a:off x="4698207" y="4661055"/>
+            <a:off x="4736775" y="4826675"/>
             <a:ext cx="2938462" cy="2031325"/>
           </a:xfrm>
           <a:prstGeom prst="rect">
@@ -24752,6 +24905,58 @@
           </a:prstGeom>
         </p:spPr>
       </p:pic>
+      <p:sp>
+        <p:nvSpPr>
+          <p:cNvPr id="3" name="Fumetto: ovale 2">
+            <a:extLst>
+              <a:ext uri="{FF2B5EF4-FFF2-40B4-BE49-F238E27FC236}">
+                <a16:creationId xmlns:a16="http://schemas.microsoft.com/office/drawing/2014/main" id="{E6D96FF6-4689-2853-F34C-B32021A541CE}"/>
+              </a:ext>
+            </a:extLst>
+          </p:cNvPr>
+          <p:cNvSpPr/>
+          <p:nvPr/>
+        </p:nvSpPr>
+        <p:spPr>
+          <a:xfrm>
+            <a:off x="7651101" y="3623375"/>
+            <a:ext cx="4161454" cy="1297180"/>
+          </a:xfrm>
+          <a:prstGeom prst="wedgeEllipseCallout">
+            <a:avLst>
+              <a:gd name="adj1" fmla="val -61407"/>
+              <a:gd name="adj2" fmla="val -32438"/>
+            </a:avLst>
+          </a:prstGeom>
+        </p:spPr>
+        <p:style>
+          <a:lnRef idx="2">
+            <a:schemeClr val="accent1">
+              <a:shade val="50000"/>
+            </a:schemeClr>
+          </a:lnRef>
+          <a:fillRef idx="1">
+            <a:schemeClr val="accent1"/>
+          </a:fillRef>
+          <a:effectRef idx="0">
+            <a:schemeClr val="accent1"/>
+          </a:effectRef>
+          <a:fontRef idx="minor">
+            <a:schemeClr val="lt1"/>
+          </a:fontRef>
+        </p:style>
+        <p:txBody>
+          <a:bodyPr rtlCol="0" anchor="ctr"/>
+          <a:lstStyle/>
+          <a:p>
+            <a:pPr algn="ctr"/>
+            <a:r>
+              <a:rPr lang="it-IT" dirty="0"/>
+              <a:t>Per uscire dalla console avviata mantenere premuto CTRL e usare la sequenza p q</a:t>
+            </a:r>
+          </a:p>
+        </p:txBody>
+      </p:sp>
     </p:spTree>
     <p:extLst>
       <p:ext uri="{BB962C8B-B14F-4D97-AF65-F5344CB8AC3E}">
@@ -25188,7 +25393,7 @@
         </p:nvSpPr>
         <p:spPr>
           <a:xfrm>
-            <a:off x="7593288" y="3484212"/>
+            <a:off x="7610174" y="3386411"/>
             <a:ext cx="3686174" cy="2071416"/>
           </a:xfrm>
           <a:prstGeom prst="roundRect">
@@ -26968,14 +27173,14 @@
           <a:p>
             <a:r>
               <a:rPr lang="it-IT" dirty="0" err="1">
-                <a:latin typeface="Calibri (corpo)"/>
+                <a:latin typeface="Courier New" panose="02070309020205020404" pitchFamily="49" charset="0"/>
                 <a:cs typeface="Courier New" panose="02070309020205020404" pitchFamily="49" charset="0"/>
               </a:rPr>
               <a:t>docker</a:t>
             </a:r>
             <a:r>
               <a:rPr lang="it-IT" dirty="0">
-                <a:latin typeface="Calibri (corpo)"/>
+                <a:latin typeface="Courier New" panose="02070309020205020404" pitchFamily="49" charset="0"/>
                 <a:cs typeface="Courier New" panose="02070309020205020404" pitchFamily="49" charset="0"/>
               </a:rPr>
               <a:t> volume create &lt;NOME DEL VOLUME&gt;</a:t>
@@ -30470,7 +30675,7 @@
                 <a:latin typeface="Courier New" panose="02070309020205020404" pitchFamily="49" charset="0"/>
                 <a:cs typeface="Courier New" panose="02070309020205020404" pitchFamily="49" charset="0"/>
               </a:rPr>
-              <a:t>nomecontainer</a:t>
+              <a:t>nomeimmagine</a:t>
             </a:r>
             <a:r>
               <a:rPr lang="it-IT" dirty="0">
@@ -30695,7 +30900,7 @@
                 <a:latin typeface="Calibri (corpo)"/>
                 <a:cs typeface="Courier New" panose="02070309020205020404" pitchFamily="49" charset="0"/>
               </a:rPr>
-              <a:t> = Docker server = Docker Engine</a:t>
+              <a:t> = Docker Server = Docker Engine</a:t>
             </a:r>
           </a:p>
           <a:p>
@@ -30791,7 +30996,7 @@
             <a:pPr algn="ctr"/>
             <a:r>
               <a:rPr lang="it-IT" sz="3200" dirty="0"/>
-              <a:t>Docker client</a:t>
+              <a:t>Docker Client</a:t>
             </a:r>
           </a:p>
         </p:txBody>
@@ -30840,7 +31045,7 @@
             <a:pPr algn="ctr"/>
             <a:r>
               <a:rPr lang="it-IT" sz="3200" dirty="0"/>
-              <a:t>Docker server</a:t>
+              <a:t>Docker Server</a:t>
             </a:r>
           </a:p>
         </p:txBody>
